--- a/M1/präsentation/M1GruppeFreitagTeam10Präsentation.pptx
+++ b/M1/präsentation/M1GruppeFreitagTeam10Präsentation.pptx
@@ -5,10 +5,10 @@
     <p:sldMasterId id="2147483660" r:id="rId2"/>
   </p:sldMasterIdLst>
   <p:notesMasterIdLst>
-    <p:notesMasterId r:id="rId13"/>
+    <p:notesMasterId r:id="rId20"/>
   </p:notesMasterIdLst>
   <p:handoutMasterIdLst>
-    <p:handoutMasterId r:id="rId14"/>
+    <p:handoutMasterId r:id="rId21"/>
   </p:handoutMasterIdLst>
   <p:sldIdLst>
     <p:sldId id="256" r:id="rId3"/>
@@ -21,11 +21,18 @@
     <p:sldId id="269" r:id="rId10"/>
     <p:sldId id="277" r:id="rId11"/>
     <p:sldId id="278" r:id="rId12"/>
+    <p:sldId id="279" r:id="rId13"/>
+    <p:sldId id="281" r:id="rId14"/>
+    <p:sldId id="282" r:id="rId15"/>
+    <p:sldId id="283" r:id="rId16"/>
+    <p:sldId id="284" r:id="rId17"/>
+    <p:sldId id="287" r:id="rId18"/>
+    <p:sldId id="286" r:id="rId19"/>
   </p:sldIdLst>
   <p:sldSz cx="12188825" cy="6858000"/>
   <p:notesSz cx="6858000" cy="9144000"/>
   <p:custDataLst>
-    <p:tags r:id="rId15"/>
+    <p:tags r:id="rId22"/>
   </p:custDataLst>
   <p:defaultTextStyle>
     <a:defPPr>
@@ -282,7 +289,7 @@
             <a:fld id="{B1659ACC-BB8B-40BD-9C3D-7515A99833BA}" type="datetimeFigureOut">
               <a:rPr lang="de-DE" smtClean="0"/>
               <a:pPr/>
-              <a:t>03.04.2016</a:t>
+              <a:t>05.04.2016</a:t>
             </a:fld>
             <a:endParaRPr lang="de-DE" dirty="0"/>
           </a:p>
@@ -449,7 +456,7 @@
             <a:fld id="{6CAB3F5D-6129-4745-AD27-E1F8E3F0C4BE}" type="datetimeFigureOut">
               <a:rPr lang="de-DE" smtClean="0"/>
               <a:pPr/>
-              <a:t>03.04.2016</a:t>
+              <a:t>05.04.2016</a:t>
             </a:fld>
             <a:endParaRPr lang="de-DE" dirty="0"/>
           </a:p>
@@ -25519,7 +25526,7 @@
             <a:fld id="{5F4E5243-F52A-4D37-9694-EB26C6C31910}" type="datetime1">
               <a:rPr lang="de-DE" smtClean="0"/>
               <a:pPr/>
-              <a:t>03.04.2016</a:t>
+              <a:t>05.04.2016</a:t>
             </a:fld>
             <a:endParaRPr lang="de-DE" dirty="0"/>
           </a:p>
@@ -25724,7 +25731,7 @@
             <a:fld id="{3A77B6E1-634A-48DC-9E8B-D894023267EF}" type="datetime1">
               <a:rPr lang="de-DE" smtClean="0"/>
               <a:pPr/>
-              <a:t>03.04.2016</a:t>
+              <a:t>05.04.2016</a:t>
             </a:fld>
             <a:endParaRPr lang="de-DE" dirty="0"/>
           </a:p>
@@ -25915,7 +25922,7 @@
             <a:fld id="{24ABB9F7-FE8F-4CB7-B90F-B7A115B006F6}" type="datetimeFigureOut">
               <a:rPr lang="de-DE" smtClean="0"/>
               <a:pPr/>
-              <a:t>03.04.2016</a:t>
+              <a:t>05.04.2016</a:t>
             </a:fld>
             <a:endParaRPr lang="de-DE" dirty="0"/>
           </a:p>
@@ -26209,7 +26216,7 @@
             <a:fld id="{C101A9C7-C274-4F50-89C9-83BDB06EDB81}" type="datetime1">
               <a:rPr lang="de-DE" smtClean="0"/>
               <a:pPr/>
-              <a:t>03.04.2016</a:t>
+              <a:t>05.04.2016</a:t>
             </a:fld>
             <a:endParaRPr lang="de-DE" dirty="0"/>
           </a:p>
@@ -26513,7 +26520,7 @@
             <a:fld id="{F12952B5-7A2F-4CC8-B7CE-9234E21C2837}" type="datetime1">
               <a:rPr lang="de-DE" smtClean="0"/>
               <a:pPr/>
-              <a:t>03.04.2016</a:t>
+              <a:t>05.04.2016</a:t>
             </a:fld>
             <a:endParaRPr lang="de-DE" dirty="0"/>
           </a:p>
@@ -26939,7 +26946,7 @@
             <a:fld id="{CE1DA07A-9201-4B4B-BAF2-015AFA30F520}" type="datetime1">
               <a:rPr lang="de-DE" smtClean="0"/>
               <a:pPr/>
-              <a:t>03.04.2016</a:t>
+              <a:t>05.04.2016</a:t>
             </a:fld>
             <a:endParaRPr lang="de-DE" dirty="0"/>
           </a:p>
@@ -27106,7 +27113,7 @@
             <a:fld id="{C101A9C7-C274-4F50-89C9-83BDB06EDB81}" type="datetime1">
               <a:rPr lang="de-DE" smtClean="0"/>
               <a:pPr/>
-              <a:t>03.04.2016</a:t>
+              <a:t>05.04.2016</a:t>
             </a:fld>
             <a:endParaRPr lang="de-DE" dirty="0"/>
           </a:p>
@@ -27217,7 +27224,7 @@
             <a:fld id="{5CB67DBB-F8DB-48F4-997A-49FAD7ECC765}" type="datetime1">
               <a:rPr lang="de-DE" smtClean="0"/>
               <a:pPr/>
-              <a:t>03.04.2016</a:t>
+              <a:t>05.04.2016</a:t>
             </a:fld>
             <a:endParaRPr lang="de-DE" dirty="0"/>
           </a:p>
@@ -27519,7 +27526,7 @@
             <a:fld id="{BF13884F-698C-4153-AB67-9A0F214F106F}" type="datetimeFigureOut">
               <a:rPr lang="de-DE" smtClean="0"/>
               <a:pPr/>
-              <a:t>03.04.2016</a:t>
+              <a:t>05.04.2016</a:t>
             </a:fld>
             <a:endParaRPr lang="de-DE" dirty="0"/>
           </a:p>
@@ -27827,7 +27834,7 @@
             <a:fld id="{C101A9C7-C274-4F50-89C9-83BDB06EDB81}" type="datetime1">
               <a:rPr lang="de-DE" smtClean="0"/>
               <a:pPr/>
-              <a:t>03.04.2016</a:t>
+              <a:t>05.04.2016</a:t>
             </a:fld>
             <a:endParaRPr lang="de-DE" dirty="0"/>
           </a:p>
@@ -28661,7 +28668,7 @@
             <a:fld id="{C101A9C7-C274-4F50-89C9-83BDB06EDB81}" type="datetime1">
               <a:rPr lang="de-DE" smtClean="0"/>
               <a:pPr/>
-              <a:t>03.04.2016</a:t>
+              <a:t>05.04.2016</a:t>
             </a:fld>
             <a:endParaRPr lang="de-DE" dirty="0"/>
           </a:p>
@@ -29543,6 +29550,1495 @@
     <p:extLst>
       <p:ext uri="{BB962C8B-B14F-4D97-AF65-F5344CB8AC3E}">
         <p14:creationId xmlns:p14="http://schemas.microsoft.com/office/powerpoint/2010/main" val="621719628"/>
+      </p:ext>
+    </p:extLst>
+  </p:cSld>
+  <p:clrMapOvr>
+    <a:masterClrMapping/>
+  </p:clrMapOvr>
+  <mc:AlternateContent xmlns:mc="http://schemas.openxmlformats.org/markup-compatibility/2006" xmlns:p14="http://schemas.microsoft.com/office/powerpoint/2010/main">
+    <mc:Choice Requires="p14">
+      <p:transition spd="med" p14:dur="700">
+        <p:fade/>
+      </p:transition>
+    </mc:Choice>
+    <mc:Fallback xmlns="">
+      <p:transition spd="med">
+        <p:fade/>
+      </p:transition>
+    </mc:Fallback>
+  </mc:AlternateContent>
+  <p:timing>
+    <p:tnLst>
+      <p:par>
+        <p:cTn id="1" dur="indefinite" restart="never" nodeType="tmRoot"/>
+      </p:par>
+    </p:tnLst>
+  </p:timing>
+</p:sld>
+</file>
+
+<file path=ppt/slides/slide11.xml><?xml version="1.0" encoding="utf-8"?>
+<p:sld xmlns:a="http://schemas.openxmlformats.org/drawingml/2006/main" xmlns:r="http://schemas.openxmlformats.org/officeDocument/2006/relationships" xmlns:p="http://schemas.openxmlformats.org/presentationml/2006/main">
+  <p:cSld>
+    <p:spTree>
+      <p:nvGrpSpPr>
+        <p:cNvPr id="1" name=""/>
+        <p:cNvGrpSpPr/>
+        <p:nvPr/>
+      </p:nvGrpSpPr>
+      <p:grpSpPr>
+        <a:xfrm>
+          <a:off x="0" y="0"/>
+          <a:ext cx="0" cy="0"/>
+          <a:chOff x="0" y="0"/>
+          <a:chExt cx="0" cy="0"/>
+        </a:xfrm>
+      </p:grpSpPr>
+      <p:sp>
+        <p:nvSpPr>
+          <p:cNvPr id="6" name="Titel 5"/>
+          <p:cNvSpPr>
+            <a:spLocks noGrp="1"/>
+          </p:cNvSpPr>
+          <p:nvPr>
+            <p:ph type="title"/>
+          </p:nvPr>
+        </p:nvSpPr>
+        <p:spPr/>
+        <p:txBody>
+          <a:bodyPr/>
+          <a:lstStyle/>
+          <a:p>
+            <a:pPr algn="ctr"/>
+            <a:r>
+              <a:rPr lang="de-AT" u="sng" dirty="0"/>
+              <a:t>Primär Persona</a:t>
+            </a:r>
+            <a:endParaRPr lang="de-DE" u="sng" dirty="0"/>
+          </a:p>
+        </p:txBody>
+      </p:sp>
+      <p:sp>
+        <p:nvSpPr>
+          <p:cNvPr id="5" name="Inhaltsplatzhalter 4"/>
+          <p:cNvSpPr>
+            <a:spLocks noGrp="1"/>
+          </p:cNvSpPr>
+          <p:nvPr>
+            <p:ph sz="quarter" idx="4"/>
+          </p:nvPr>
+        </p:nvSpPr>
+        <p:spPr>
+          <a:xfrm>
+            <a:off x="1773931" y="2204864"/>
+            <a:ext cx="8892481" cy="3494112"/>
+          </a:xfrm>
+        </p:spPr>
+        <p:txBody>
+          <a:bodyPr/>
+          <a:lstStyle/>
+          <a:p>
+            <a:r>
+              <a:rPr lang="de-AT" sz="1600" dirty="0"/>
+              <a:t>Name: Thomas </a:t>
+            </a:r>
+            <a:r>
+              <a:rPr lang="de-AT" sz="1600" dirty="0" smtClean="0"/>
+              <a:t>Steiger</a:t>
+            </a:r>
+          </a:p>
+          <a:p>
+            <a:r>
+              <a:rPr lang="de-AT" sz="1600" dirty="0" smtClean="0"/>
+              <a:t>Alter: 23</a:t>
+            </a:r>
+          </a:p>
+          <a:p>
+            <a:r>
+              <a:rPr lang="de-AT" sz="1600" dirty="0" smtClean="0"/>
+              <a:t>Beruf: Kellner</a:t>
+            </a:r>
+          </a:p>
+          <a:p>
+            <a:r>
+              <a:rPr lang="de-AT" sz="1600" dirty="0" smtClean="0"/>
+              <a:t>Hobbies: Fotografieren, Trainieren, Lesen, Schach</a:t>
+            </a:r>
+          </a:p>
+          <a:p>
+            <a:endParaRPr lang="de-AT" sz="1600" dirty="0" smtClean="0"/>
+          </a:p>
+          <a:p>
+            <a:pPr marL="0" indent="0">
+              <a:buNone/>
+            </a:pPr>
+            <a:r>
+              <a:rPr lang="de-AT" sz="1800" b="1" dirty="0" smtClean="0">
+                <a:effectLst/>
+              </a:rPr>
+              <a:t>Ziele, Wünsche, Erwartungen</a:t>
+            </a:r>
+          </a:p>
+          <a:p>
+            <a:pPr marL="0" indent="0">
+              <a:buNone/>
+            </a:pPr>
+            <a:r>
+              <a:rPr lang="de-AT" sz="1600" dirty="0" smtClean="0"/>
+              <a:t>Einkommensverwaltung, Ausgabenübersicht, Sparen auf ein neues Fotoapparat</a:t>
+            </a:r>
+            <a:endParaRPr lang="de-AT" sz="1600" dirty="0"/>
+          </a:p>
+        </p:txBody>
+      </p:sp>
+      <p:pic>
+        <p:nvPicPr>
+          <p:cNvPr id="9" name="Grafik 8"/>
+          <p:cNvPicPr>
+            <a:picLocks noChangeAspect="1"/>
+          </p:cNvPicPr>
+          <p:nvPr/>
+        </p:nvPicPr>
+        <p:blipFill>
+          <a:blip r:embed="rId2" cstate="print">
+            <a:extLst>
+              <a:ext uri="{28A0092B-C50C-407E-A947-70E740481C1C}">
+                <a14:useLocalDpi xmlns:a14="http://schemas.microsoft.com/office/drawing/2010/main" val="0"/>
+              </a:ext>
+            </a:extLst>
+          </a:blip>
+          <a:stretch>
+            <a:fillRect/>
+          </a:stretch>
+        </p:blipFill>
+        <p:spPr>
+          <a:xfrm>
+            <a:off x="8760790" y="2185890"/>
+            <a:ext cx="1315118" cy="1315118"/>
+          </a:xfrm>
+          <a:prstGeom prst="rect">
+            <a:avLst/>
+          </a:prstGeom>
+        </p:spPr>
+      </p:pic>
+      <p:sp>
+        <p:nvSpPr>
+          <p:cNvPr id="12" name="Textfeld 11"/>
+          <p:cNvSpPr txBox="1"/>
+          <p:nvPr/>
+        </p:nvSpPr>
+        <p:spPr>
+          <a:xfrm>
+            <a:off x="2371052" y="1515871"/>
+            <a:ext cx="7704856" cy="424732"/>
+          </a:xfrm>
+          <a:prstGeom prst="rect">
+            <a:avLst/>
+          </a:prstGeom>
+          <a:noFill/>
+        </p:spPr>
+        <p:txBody>
+          <a:bodyPr wrap="square" rtlCol="0">
+            <a:spAutoFit/>
+          </a:bodyPr>
+          <a:lstStyle/>
+          <a:p>
+            <a:pPr>
+              <a:lnSpc>
+                <a:spcPct val="90000"/>
+              </a:lnSpc>
+            </a:pPr>
+            <a:r>
+              <a:rPr lang="de-AT" sz="2400" dirty="0" smtClean="0"/>
+              <a:t>Erwachsene Person mit durchschnittlichem Einkommen</a:t>
+            </a:r>
+            <a:endParaRPr lang="de-AT" sz="2400" dirty="0"/>
+          </a:p>
+        </p:txBody>
+      </p:sp>
+    </p:spTree>
+    <p:extLst>
+      <p:ext uri="{BB962C8B-B14F-4D97-AF65-F5344CB8AC3E}">
+        <p14:creationId xmlns:p14="http://schemas.microsoft.com/office/powerpoint/2010/main" val="306847644"/>
+      </p:ext>
+    </p:extLst>
+  </p:cSld>
+  <p:clrMapOvr>
+    <a:masterClrMapping/>
+  </p:clrMapOvr>
+  <mc:AlternateContent xmlns:mc="http://schemas.openxmlformats.org/markup-compatibility/2006" xmlns:p14="http://schemas.microsoft.com/office/powerpoint/2010/main">
+    <mc:Choice Requires="p14">
+      <p:transition spd="med" p14:dur="700">
+        <p:fade/>
+      </p:transition>
+    </mc:Choice>
+    <mc:Fallback xmlns="">
+      <p:transition spd="med">
+        <p:fade/>
+      </p:transition>
+    </mc:Fallback>
+  </mc:AlternateContent>
+  <p:timing>
+    <p:tnLst>
+      <p:par>
+        <p:cTn id="1" dur="indefinite" restart="never" nodeType="tmRoot"/>
+      </p:par>
+    </p:tnLst>
+  </p:timing>
+</p:sld>
+</file>
+
+<file path=ppt/slides/slide12.xml><?xml version="1.0" encoding="utf-8"?>
+<p:sld xmlns:a="http://schemas.openxmlformats.org/drawingml/2006/main" xmlns:r="http://schemas.openxmlformats.org/officeDocument/2006/relationships" xmlns:p="http://schemas.openxmlformats.org/presentationml/2006/main">
+  <p:cSld>
+    <p:spTree>
+      <p:nvGrpSpPr>
+        <p:cNvPr id="1" name=""/>
+        <p:cNvGrpSpPr/>
+        <p:nvPr/>
+      </p:nvGrpSpPr>
+      <p:grpSpPr>
+        <a:xfrm>
+          <a:off x="0" y="0"/>
+          <a:ext cx="0" cy="0"/>
+          <a:chOff x="0" y="0"/>
+          <a:chExt cx="0" cy="0"/>
+        </a:xfrm>
+      </p:grpSpPr>
+      <p:sp>
+        <p:nvSpPr>
+          <p:cNvPr id="6" name="Titel 5"/>
+          <p:cNvSpPr>
+            <a:spLocks noGrp="1"/>
+          </p:cNvSpPr>
+          <p:nvPr>
+            <p:ph type="title"/>
+          </p:nvPr>
+        </p:nvSpPr>
+        <p:spPr/>
+        <p:txBody>
+          <a:bodyPr/>
+          <a:lstStyle/>
+          <a:p>
+            <a:pPr algn="ctr"/>
+            <a:r>
+              <a:rPr lang="de-AT" u="sng" dirty="0" smtClean="0"/>
+              <a:t>Sekundär </a:t>
+            </a:r>
+            <a:r>
+              <a:rPr lang="de-AT" u="sng" dirty="0"/>
+              <a:t>Persona</a:t>
+            </a:r>
+            <a:endParaRPr lang="de-DE" u="sng" dirty="0"/>
+          </a:p>
+        </p:txBody>
+      </p:sp>
+      <p:sp>
+        <p:nvSpPr>
+          <p:cNvPr id="5" name="Inhaltsplatzhalter 4"/>
+          <p:cNvSpPr>
+            <a:spLocks noGrp="1"/>
+          </p:cNvSpPr>
+          <p:nvPr>
+            <p:ph sz="quarter" idx="4"/>
+          </p:nvPr>
+        </p:nvSpPr>
+        <p:spPr>
+          <a:xfrm>
+            <a:off x="1773931" y="2204864"/>
+            <a:ext cx="8892481" cy="3494112"/>
+          </a:xfrm>
+        </p:spPr>
+        <p:txBody>
+          <a:bodyPr/>
+          <a:lstStyle/>
+          <a:p>
+            <a:r>
+              <a:rPr lang="de-AT" sz="1600" dirty="0"/>
+              <a:t>Name: </a:t>
+            </a:r>
+            <a:r>
+              <a:rPr lang="de-AT" sz="1600" dirty="0" smtClean="0"/>
+              <a:t>Lena Bauer</a:t>
+            </a:r>
+          </a:p>
+          <a:p>
+            <a:r>
+              <a:rPr lang="de-AT" sz="1600" dirty="0" smtClean="0"/>
+              <a:t>Alter: 30</a:t>
+            </a:r>
+          </a:p>
+          <a:p>
+            <a:r>
+              <a:rPr lang="de-AT" sz="1600" dirty="0" smtClean="0"/>
+              <a:t>Beruf: Buchhalterin</a:t>
+            </a:r>
+          </a:p>
+          <a:p>
+            <a:r>
+              <a:rPr lang="de-AT" sz="1600" dirty="0" smtClean="0"/>
+              <a:t>Hobbies: Puzzle, Familienausflüge</a:t>
+            </a:r>
+          </a:p>
+          <a:p>
+            <a:endParaRPr lang="de-AT" sz="1600" dirty="0" smtClean="0"/>
+          </a:p>
+          <a:p>
+            <a:pPr marL="0" indent="0">
+              <a:buNone/>
+            </a:pPr>
+            <a:r>
+              <a:rPr lang="de-AT" sz="1800" b="1" dirty="0" smtClean="0">
+                <a:effectLst/>
+              </a:rPr>
+              <a:t>Ziele, Wünsche, Erwartungen</a:t>
+            </a:r>
+          </a:p>
+          <a:p>
+            <a:pPr marL="0" indent="0">
+              <a:buNone/>
+            </a:pPr>
+            <a:r>
+              <a:rPr lang="de-AT" sz="1600" dirty="0" smtClean="0"/>
+              <a:t>Durch regelmäßiges Sparen ihre Puzzle Collection erweitern</a:t>
+            </a:r>
+            <a:endParaRPr lang="de-AT" sz="1600" dirty="0"/>
+          </a:p>
+        </p:txBody>
+      </p:sp>
+      <p:pic>
+        <p:nvPicPr>
+          <p:cNvPr id="9" name="Grafik 8"/>
+          <p:cNvPicPr>
+            <a:picLocks noChangeAspect="1"/>
+          </p:cNvPicPr>
+          <p:nvPr/>
+        </p:nvPicPr>
+        <p:blipFill>
+          <a:blip r:embed="rId2">
+            <a:extLst>
+              <a:ext uri="{28A0092B-C50C-407E-A947-70E740481C1C}">
+                <a14:useLocalDpi xmlns:a14="http://schemas.microsoft.com/office/drawing/2010/main" val="0"/>
+              </a:ext>
+            </a:extLst>
+          </a:blip>
+          <a:stretch>
+            <a:fillRect/>
+          </a:stretch>
+        </p:blipFill>
+        <p:spPr>
+          <a:xfrm>
+            <a:off x="8514830" y="2276872"/>
+            <a:ext cx="1561077" cy="1296144"/>
+          </a:xfrm>
+          <a:prstGeom prst="rect">
+            <a:avLst/>
+          </a:prstGeom>
+        </p:spPr>
+      </p:pic>
+      <p:sp>
+        <p:nvSpPr>
+          <p:cNvPr id="12" name="Textfeld 11"/>
+          <p:cNvSpPr txBox="1"/>
+          <p:nvPr/>
+        </p:nvSpPr>
+        <p:spPr>
+          <a:xfrm>
+            <a:off x="2371052" y="1515871"/>
+            <a:ext cx="7704856" cy="424732"/>
+          </a:xfrm>
+          <a:prstGeom prst="rect">
+            <a:avLst/>
+          </a:prstGeom>
+          <a:noFill/>
+        </p:spPr>
+        <p:txBody>
+          <a:bodyPr wrap="square" rtlCol="0">
+            <a:spAutoFit/>
+          </a:bodyPr>
+          <a:lstStyle/>
+          <a:p>
+            <a:pPr>
+              <a:lnSpc>
+                <a:spcPct val="90000"/>
+              </a:lnSpc>
+            </a:pPr>
+            <a:r>
+              <a:rPr lang="de-AT" sz="2400" dirty="0" smtClean="0"/>
+              <a:t>Erwachsene Person mit durchschnittlichem Einkommen</a:t>
+            </a:r>
+            <a:endParaRPr lang="de-AT" sz="2400" dirty="0"/>
+          </a:p>
+        </p:txBody>
+      </p:sp>
+    </p:spTree>
+    <p:extLst>
+      <p:ext uri="{BB962C8B-B14F-4D97-AF65-F5344CB8AC3E}">
+        <p14:creationId xmlns:p14="http://schemas.microsoft.com/office/powerpoint/2010/main" val="1259326208"/>
+      </p:ext>
+    </p:extLst>
+  </p:cSld>
+  <p:clrMapOvr>
+    <a:masterClrMapping/>
+  </p:clrMapOvr>
+  <mc:AlternateContent xmlns:mc="http://schemas.openxmlformats.org/markup-compatibility/2006" xmlns:p14="http://schemas.microsoft.com/office/powerpoint/2010/main">
+    <mc:Choice Requires="p14">
+      <p:transition spd="med" p14:dur="700">
+        <p:fade/>
+      </p:transition>
+    </mc:Choice>
+    <mc:Fallback xmlns="">
+      <p:transition spd="med">
+        <p:fade/>
+      </p:transition>
+    </mc:Fallback>
+  </mc:AlternateContent>
+  <p:timing>
+    <p:tnLst>
+      <p:par>
+        <p:cTn id="1" dur="indefinite" restart="never" nodeType="tmRoot"/>
+      </p:par>
+    </p:tnLst>
+  </p:timing>
+</p:sld>
+</file>
+
+<file path=ppt/slides/slide13.xml><?xml version="1.0" encoding="utf-8"?>
+<p:sld xmlns:a="http://schemas.openxmlformats.org/drawingml/2006/main" xmlns:r="http://schemas.openxmlformats.org/officeDocument/2006/relationships" xmlns:p="http://schemas.openxmlformats.org/presentationml/2006/main">
+  <p:cSld>
+    <p:spTree>
+      <p:nvGrpSpPr>
+        <p:cNvPr id="1" name=""/>
+        <p:cNvGrpSpPr/>
+        <p:nvPr/>
+      </p:nvGrpSpPr>
+      <p:grpSpPr>
+        <a:xfrm>
+          <a:off x="0" y="0"/>
+          <a:ext cx="0" cy="0"/>
+          <a:chOff x="0" y="0"/>
+          <a:chExt cx="0" cy="0"/>
+        </a:xfrm>
+      </p:grpSpPr>
+      <p:sp>
+        <p:nvSpPr>
+          <p:cNvPr id="6" name="Titel 5"/>
+          <p:cNvSpPr>
+            <a:spLocks noGrp="1"/>
+          </p:cNvSpPr>
+          <p:nvPr>
+            <p:ph type="title"/>
+          </p:nvPr>
+        </p:nvSpPr>
+        <p:spPr/>
+        <p:txBody>
+          <a:bodyPr/>
+          <a:lstStyle/>
+          <a:p>
+            <a:pPr algn="ctr"/>
+            <a:r>
+              <a:rPr lang="de-AT" u="sng" dirty="0" smtClean="0"/>
+              <a:t>Negativ </a:t>
+            </a:r>
+            <a:r>
+              <a:rPr lang="de-AT" u="sng" dirty="0"/>
+              <a:t>Persona</a:t>
+            </a:r>
+            <a:endParaRPr lang="de-DE" u="sng" dirty="0"/>
+          </a:p>
+        </p:txBody>
+      </p:sp>
+      <p:sp>
+        <p:nvSpPr>
+          <p:cNvPr id="5" name="Inhaltsplatzhalter 4"/>
+          <p:cNvSpPr>
+            <a:spLocks noGrp="1"/>
+          </p:cNvSpPr>
+          <p:nvPr>
+            <p:ph sz="quarter" idx="4"/>
+          </p:nvPr>
+        </p:nvSpPr>
+        <p:spPr>
+          <a:xfrm>
+            <a:off x="1773931" y="2204864"/>
+            <a:ext cx="8892481" cy="3494112"/>
+          </a:xfrm>
+        </p:spPr>
+        <p:txBody>
+          <a:bodyPr/>
+          <a:lstStyle/>
+          <a:p>
+            <a:r>
+              <a:rPr lang="de-AT" sz="1600" dirty="0"/>
+              <a:t>Name: </a:t>
+            </a:r>
+            <a:r>
+              <a:rPr lang="de-AT" sz="1600" dirty="0" smtClean="0"/>
+              <a:t>Wilhelm Kastner</a:t>
+            </a:r>
+            <a:endParaRPr lang="de-AT" sz="1600" dirty="0" smtClean="0"/>
+          </a:p>
+          <a:p>
+            <a:r>
+              <a:rPr lang="de-AT" sz="1600" dirty="0" smtClean="0"/>
+              <a:t>Alter: </a:t>
+            </a:r>
+            <a:r>
+              <a:rPr lang="de-AT" sz="1600" dirty="0" smtClean="0"/>
+              <a:t>77</a:t>
+            </a:r>
+            <a:endParaRPr lang="de-AT" sz="1600" dirty="0" smtClean="0"/>
+          </a:p>
+          <a:p>
+            <a:r>
+              <a:rPr lang="de-AT" sz="1600" dirty="0" smtClean="0"/>
+              <a:t>Beruf: </a:t>
+            </a:r>
+            <a:r>
+              <a:rPr lang="de-AT" sz="1600" dirty="0" smtClean="0"/>
+              <a:t>Pensionierte Professor</a:t>
+            </a:r>
+            <a:endParaRPr lang="de-AT" sz="1600" dirty="0" smtClean="0"/>
+          </a:p>
+          <a:p>
+            <a:r>
+              <a:rPr lang="de-AT" sz="1600" dirty="0" smtClean="0"/>
+              <a:t>Hobbies: </a:t>
+            </a:r>
+            <a:r>
+              <a:rPr lang="de-AT" sz="1600" dirty="0" smtClean="0"/>
+              <a:t>Kreuzworträtsel, Spazieren</a:t>
+            </a:r>
+            <a:endParaRPr lang="de-AT" sz="1600" dirty="0" smtClean="0"/>
+          </a:p>
+          <a:p>
+            <a:endParaRPr lang="de-AT" sz="1600" dirty="0" smtClean="0"/>
+          </a:p>
+          <a:p>
+            <a:pPr marL="0" indent="0">
+              <a:buNone/>
+            </a:pPr>
+            <a:r>
+              <a:rPr lang="de-AT" sz="1800" b="1" dirty="0" smtClean="0">
+                <a:effectLst/>
+              </a:rPr>
+              <a:t>Ziele, Wünsche, Erwartungen</a:t>
+            </a:r>
+          </a:p>
+          <a:p>
+            <a:pPr marL="0" indent="0">
+              <a:buNone/>
+            </a:pPr>
+            <a:r>
+              <a:rPr lang="de-AT" sz="1600" dirty="0" smtClean="0"/>
+              <a:t>Obwohl </a:t>
+            </a:r>
+            <a:r>
+              <a:rPr lang="de-AT" sz="1600" dirty="0" smtClean="0"/>
+              <a:t>er ein Smartphone hat b</a:t>
+            </a:r>
+            <a:r>
+              <a:rPr lang="de-AT" sz="1600" dirty="0" smtClean="0"/>
+              <a:t>evorzugt er für finanzielle Angelegenheiten weiterhin Stift und Papier</a:t>
+            </a:r>
+            <a:endParaRPr lang="de-AT" sz="1600" dirty="0"/>
+          </a:p>
+        </p:txBody>
+      </p:sp>
+      <p:pic>
+        <p:nvPicPr>
+          <p:cNvPr id="9" name="Grafik 8"/>
+          <p:cNvPicPr>
+            <a:picLocks noChangeAspect="1"/>
+          </p:cNvPicPr>
+          <p:nvPr/>
+        </p:nvPicPr>
+        <p:blipFill>
+          <a:blip r:embed="rId2">
+            <a:extLst>
+              <a:ext uri="{28A0092B-C50C-407E-A947-70E740481C1C}">
+                <a14:useLocalDpi xmlns:a14="http://schemas.microsoft.com/office/drawing/2010/main" val="0"/>
+              </a:ext>
+            </a:extLst>
+          </a:blip>
+          <a:stretch>
+            <a:fillRect/>
+          </a:stretch>
+        </p:blipFill>
+        <p:spPr>
+          <a:xfrm>
+            <a:off x="8620784" y="2276872"/>
+            <a:ext cx="1349168" cy="1296144"/>
+          </a:xfrm>
+          <a:prstGeom prst="rect">
+            <a:avLst/>
+          </a:prstGeom>
+        </p:spPr>
+      </p:pic>
+      <p:sp>
+        <p:nvSpPr>
+          <p:cNvPr id="12" name="Textfeld 11"/>
+          <p:cNvSpPr txBox="1"/>
+          <p:nvPr/>
+        </p:nvSpPr>
+        <p:spPr>
+          <a:xfrm>
+            <a:off x="2371052" y="1515871"/>
+            <a:ext cx="7704856" cy="424732"/>
+          </a:xfrm>
+          <a:prstGeom prst="rect">
+            <a:avLst/>
+          </a:prstGeom>
+          <a:noFill/>
+        </p:spPr>
+        <p:txBody>
+          <a:bodyPr wrap="square" rtlCol="0">
+            <a:spAutoFit/>
+          </a:bodyPr>
+          <a:lstStyle/>
+          <a:p>
+            <a:pPr>
+              <a:lnSpc>
+                <a:spcPct val="90000"/>
+              </a:lnSpc>
+            </a:pPr>
+            <a:r>
+              <a:rPr lang="de-AT" sz="2400" dirty="0" smtClean="0"/>
+              <a:t>Erwachsene Person mit durchschnittlichem Einkommen</a:t>
+            </a:r>
+            <a:endParaRPr lang="de-AT" sz="2400" dirty="0"/>
+          </a:p>
+        </p:txBody>
+      </p:sp>
+    </p:spTree>
+    <p:extLst>
+      <p:ext uri="{BB962C8B-B14F-4D97-AF65-F5344CB8AC3E}">
+        <p14:creationId xmlns:p14="http://schemas.microsoft.com/office/powerpoint/2010/main" val="4072190494"/>
+      </p:ext>
+    </p:extLst>
+  </p:cSld>
+  <p:clrMapOvr>
+    <a:masterClrMapping/>
+  </p:clrMapOvr>
+  <mc:AlternateContent xmlns:mc="http://schemas.openxmlformats.org/markup-compatibility/2006" xmlns:p14="http://schemas.microsoft.com/office/powerpoint/2010/main">
+    <mc:Choice Requires="p14">
+      <p:transition spd="med" p14:dur="700">
+        <p:fade/>
+      </p:transition>
+    </mc:Choice>
+    <mc:Fallback xmlns="">
+      <p:transition spd="med">
+        <p:fade/>
+      </p:transition>
+    </mc:Fallback>
+  </mc:AlternateContent>
+  <p:timing>
+    <p:tnLst>
+      <p:par>
+        <p:cTn id="1" dur="indefinite" restart="never" nodeType="tmRoot"/>
+      </p:par>
+    </p:tnLst>
+  </p:timing>
+</p:sld>
+</file>
+
+<file path=ppt/slides/slide14.xml><?xml version="1.0" encoding="utf-8"?>
+<p:sld xmlns:a="http://schemas.openxmlformats.org/drawingml/2006/main" xmlns:r="http://schemas.openxmlformats.org/officeDocument/2006/relationships" xmlns:p="http://schemas.openxmlformats.org/presentationml/2006/main">
+  <p:cSld>
+    <p:spTree>
+      <p:nvGrpSpPr>
+        <p:cNvPr id="1" name=""/>
+        <p:cNvGrpSpPr/>
+        <p:nvPr/>
+      </p:nvGrpSpPr>
+      <p:grpSpPr>
+        <a:xfrm>
+          <a:off x="0" y="0"/>
+          <a:ext cx="0" cy="0"/>
+          <a:chOff x="0" y="0"/>
+          <a:chExt cx="0" cy="0"/>
+        </a:xfrm>
+      </p:grpSpPr>
+      <p:sp>
+        <p:nvSpPr>
+          <p:cNvPr id="6" name="Titel 5"/>
+          <p:cNvSpPr>
+            <a:spLocks noGrp="1"/>
+          </p:cNvSpPr>
+          <p:nvPr>
+            <p:ph type="title"/>
+          </p:nvPr>
+        </p:nvSpPr>
+        <p:spPr/>
+        <p:txBody>
+          <a:bodyPr/>
+          <a:lstStyle/>
+          <a:p>
+            <a:pPr algn="ctr"/>
+            <a:r>
+              <a:rPr lang="de-AT" u="sng" dirty="0"/>
+              <a:t>Aufgabenanalyse</a:t>
+            </a:r>
+            <a:endParaRPr lang="de-DE" u="sng" dirty="0"/>
+          </a:p>
+        </p:txBody>
+      </p:sp>
+      <p:pic>
+        <p:nvPicPr>
+          <p:cNvPr id="2" name="Inhaltsplatzhalter 1"/>
+          <p:cNvPicPr>
+            <a:picLocks noGrp="1" noChangeAspect="1"/>
+          </p:cNvPicPr>
+          <p:nvPr>
+            <p:ph sz="quarter" idx="4"/>
+          </p:nvPr>
+        </p:nvPicPr>
+        <p:blipFill>
+          <a:blip r:embed="rId2">
+            <a:extLst>
+              <a:ext uri="{28A0092B-C50C-407E-A947-70E740481C1C}">
+                <a14:useLocalDpi xmlns:a14="http://schemas.microsoft.com/office/drawing/2010/main" val="0"/>
+              </a:ext>
+            </a:extLst>
+          </a:blip>
+          <a:stretch>
+            <a:fillRect/>
+          </a:stretch>
+        </p:blipFill>
+        <p:spPr>
+          <a:xfrm>
+            <a:off x="2165061" y="2204864"/>
+            <a:ext cx="7902190" cy="3658983"/>
+          </a:xfrm>
+        </p:spPr>
+      </p:pic>
+      <p:sp>
+        <p:nvSpPr>
+          <p:cNvPr id="12" name="Textfeld 11"/>
+          <p:cNvSpPr txBox="1"/>
+          <p:nvPr/>
+        </p:nvSpPr>
+        <p:spPr>
+          <a:xfrm>
+            <a:off x="2371052" y="1515871"/>
+            <a:ext cx="7704856" cy="424732"/>
+          </a:xfrm>
+          <a:prstGeom prst="rect">
+            <a:avLst/>
+          </a:prstGeom>
+          <a:noFill/>
+        </p:spPr>
+        <p:txBody>
+          <a:bodyPr wrap="square" rtlCol="0">
+            <a:spAutoFit/>
+          </a:bodyPr>
+          <a:lstStyle/>
+          <a:p>
+            <a:pPr algn="ctr">
+              <a:lnSpc>
+                <a:spcPct val="90000"/>
+              </a:lnSpc>
+            </a:pPr>
+            <a:r>
+              <a:rPr lang="de-AT" sz="2400" dirty="0" smtClean="0"/>
+              <a:t>Tasks und </a:t>
+            </a:r>
+            <a:r>
+              <a:rPr lang="de-AT" sz="2400" dirty="0"/>
+              <a:t>Häufigkeit</a:t>
+            </a:r>
+            <a:endParaRPr lang="de-AT" sz="2400" dirty="0"/>
+          </a:p>
+        </p:txBody>
+      </p:sp>
+    </p:spTree>
+    <p:extLst>
+      <p:ext uri="{BB962C8B-B14F-4D97-AF65-F5344CB8AC3E}">
+        <p14:creationId xmlns:p14="http://schemas.microsoft.com/office/powerpoint/2010/main" val="3043312320"/>
+      </p:ext>
+    </p:extLst>
+  </p:cSld>
+  <p:clrMapOvr>
+    <a:masterClrMapping/>
+  </p:clrMapOvr>
+  <mc:AlternateContent xmlns:mc="http://schemas.openxmlformats.org/markup-compatibility/2006" xmlns:p14="http://schemas.microsoft.com/office/powerpoint/2010/main">
+    <mc:Choice Requires="p14">
+      <p:transition spd="med" p14:dur="700">
+        <p:fade/>
+      </p:transition>
+    </mc:Choice>
+    <mc:Fallback xmlns="">
+      <p:transition spd="med">
+        <p:fade/>
+      </p:transition>
+    </mc:Fallback>
+  </mc:AlternateContent>
+  <p:timing>
+    <p:tnLst>
+      <p:par>
+        <p:cTn id="1" dur="indefinite" restart="never" nodeType="tmRoot"/>
+      </p:par>
+    </p:tnLst>
+  </p:timing>
+</p:sld>
+</file>
+
+<file path=ppt/slides/slide15.xml><?xml version="1.0" encoding="utf-8"?>
+<p:sld xmlns:a="http://schemas.openxmlformats.org/drawingml/2006/main" xmlns:r="http://schemas.openxmlformats.org/officeDocument/2006/relationships" xmlns:p="http://schemas.openxmlformats.org/presentationml/2006/main">
+  <p:cSld>
+    <p:spTree>
+      <p:nvGrpSpPr>
+        <p:cNvPr id="1" name=""/>
+        <p:cNvGrpSpPr/>
+        <p:nvPr/>
+      </p:nvGrpSpPr>
+      <p:grpSpPr>
+        <a:xfrm>
+          <a:off x="0" y="0"/>
+          <a:ext cx="0" cy="0"/>
+          <a:chOff x="0" y="0"/>
+          <a:chExt cx="0" cy="0"/>
+        </a:xfrm>
+      </p:grpSpPr>
+      <p:sp>
+        <p:nvSpPr>
+          <p:cNvPr id="6" name="Titel 5"/>
+          <p:cNvSpPr>
+            <a:spLocks noGrp="1"/>
+          </p:cNvSpPr>
+          <p:nvPr>
+            <p:ph type="title"/>
+          </p:nvPr>
+        </p:nvSpPr>
+        <p:spPr/>
+        <p:txBody>
+          <a:bodyPr/>
+          <a:lstStyle/>
+          <a:p>
+            <a:pPr algn="ctr"/>
+            <a:r>
+              <a:rPr lang="de-AT" u="sng" dirty="0"/>
+              <a:t>Literatur Analyse</a:t>
+            </a:r>
+          </a:p>
+        </p:txBody>
+      </p:sp>
+      <p:sp>
+        <p:nvSpPr>
+          <p:cNvPr id="3" name="Inhaltsplatzhalter 2"/>
+          <p:cNvSpPr>
+            <a:spLocks noGrp="1"/>
+          </p:cNvSpPr>
+          <p:nvPr>
+            <p:ph sz="quarter" idx="4"/>
+          </p:nvPr>
+        </p:nvSpPr>
+        <p:spPr>
+          <a:xfrm>
+            <a:off x="1773932" y="1628800"/>
+            <a:ext cx="8892481" cy="4391000"/>
+          </a:xfrm>
+        </p:spPr>
+        <p:txBody>
+          <a:bodyPr>
+            <a:normAutofit/>
+          </a:bodyPr>
+          <a:lstStyle/>
+          <a:p>
+            <a:pPr marL="0" indent="0" algn="ctr">
+              <a:buNone/>
+            </a:pPr>
+            <a:r>
+              <a:rPr lang="en-US" dirty="0"/>
+              <a:t>Design and Implementation Money Management Web Based Application for Personal and </a:t>
+            </a:r>
+            <a:r>
+              <a:rPr lang="en-US" dirty="0" smtClean="0"/>
+              <a:t>Family </a:t>
+            </a:r>
+            <a:r>
+              <a:rPr lang="en-US" dirty="0"/>
+              <a:t>Proposed for CV. </a:t>
+            </a:r>
+            <a:r>
+              <a:rPr lang="en-US" dirty="0" smtClean="0"/>
+              <a:t>X</a:t>
+            </a:r>
+          </a:p>
+          <a:p>
+            <a:pPr marL="0" indent="0" algn="ctr">
+              <a:buNone/>
+            </a:pPr>
+            <a:endParaRPr lang="en-US" dirty="0" smtClean="0"/>
+          </a:p>
+          <a:p>
+            <a:r>
+              <a:rPr lang="de-AT" sz="1800" dirty="0" smtClean="0"/>
+              <a:t>Unentgeltliche Persönliche Finanzberatung</a:t>
+            </a:r>
+            <a:endParaRPr lang="de-AT" sz="1800" dirty="0"/>
+          </a:p>
+          <a:p>
+            <a:r>
+              <a:rPr lang="de-AT" sz="1800" dirty="0" smtClean="0"/>
+              <a:t>Geld-Management-Dienstleistungen =&gt; einfach und schnell</a:t>
+            </a:r>
+          </a:p>
+          <a:p>
+            <a:endParaRPr lang="de-AT" dirty="0"/>
+          </a:p>
+          <a:p>
+            <a:pPr marL="0" indent="0">
+              <a:buNone/>
+            </a:pPr>
+            <a:r>
+              <a:rPr lang="de-AT" sz="2000" b="1" u="sng" dirty="0" smtClean="0">
+                <a:effectLst/>
+              </a:rPr>
+              <a:t>Implikationen zum Projekt</a:t>
+            </a:r>
+          </a:p>
+          <a:p>
+            <a:pPr>
+              <a:buFont typeface="Wingdings" panose="05000000000000000000" pitchFamily="2" charset="2"/>
+              <a:buChar char="ü"/>
+            </a:pPr>
+            <a:r>
+              <a:rPr lang="de-AT" sz="1800" i="1" dirty="0" smtClean="0"/>
+              <a:t>Beratungsfunktion </a:t>
+            </a:r>
+          </a:p>
+          <a:p>
+            <a:pPr>
+              <a:buFont typeface="Wingdings" panose="05000000000000000000" pitchFamily="2" charset="2"/>
+              <a:buChar char="ü"/>
+            </a:pPr>
+            <a:r>
+              <a:rPr lang="de-AT" sz="1800" i="1" dirty="0" smtClean="0"/>
+              <a:t>Kostenlose Nutzungsmöglichkeit</a:t>
+            </a:r>
+          </a:p>
+          <a:p>
+            <a:endParaRPr lang="de-AT" dirty="0"/>
+          </a:p>
+          <a:p>
+            <a:endParaRPr lang="de-AT" dirty="0"/>
+          </a:p>
+        </p:txBody>
+      </p:sp>
+    </p:spTree>
+    <p:extLst>
+      <p:ext uri="{BB962C8B-B14F-4D97-AF65-F5344CB8AC3E}">
+        <p14:creationId xmlns:p14="http://schemas.microsoft.com/office/powerpoint/2010/main" val="2333857406"/>
+      </p:ext>
+    </p:extLst>
+  </p:cSld>
+  <p:clrMapOvr>
+    <a:masterClrMapping/>
+  </p:clrMapOvr>
+  <mc:AlternateContent xmlns:mc="http://schemas.openxmlformats.org/markup-compatibility/2006" xmlns:p14="http://schemas.microsoft.com/office/powerpoint/2010/main">
+    <mc:Choice Requires="p14">
+      <p:transition spd="med" p14:dur="700">
+        <p:fade/>
+      </p:transition>
+    </mc:Choice>
+    <mc:Fallback xmlns="">
+      <p:transition spd="med">
+        <p:fade/>
+      </p:transition>
+    </mc:Fallback>
+  </mc:AlternateContent>
+  <p:timing>
+    <p:tnLst>
+      <p:par>
+        <p:cTn id="1" dur="indefinite" restart="never" nodeType="tmRoot"/>
+      </p:par>
+    </p:tnLst>
+  </p:timing>
+</p:sld>
+</file>
+
+<file path=ppt/slides/slide16.xml><?xml version="1.0" encoding="utf-8"?>
+<p:sld xmlns:a="http://schemas.openxmlformats.org/drawingml/2006/main" xmlns:r="http://schemas.openxmlformats.org/officeDocument/2006/relationships" xmlns:p="http://schemas.openxmlformats.org/presentationml/2006/main">
+  <p:cSld>
+    <p:spTree>
+      <p:nvGrpSpPr>
+        <p:cNvPr id="1" name=""/>
+        <p:cNvGrpSpPr/>
+        <p:nvPr/>
+      </p:nvGrpSpPr>
+      <p:grpSpPr>
+        <a:xfrm>
+          <a:off x="0" y="0"/>
+          <a:ext cx="0" cy="0"/>
+          <a:chOff x="0" y="0"/>
+          <a:chExt cx="0" cy="0"/>
+        </a:xfrm>
+      </p:grpSpPr>
+      <p:sp>
+        <p:nvSpPr>
+          <p:cNvPr id="6" name="Titel 5"/>
+          <p:cNvSpPr>
+            <a:spLocks noGrp="1"/>
+          </p:cNvSpPr>
+          <p:nvPr>
+            <p:ph type="title"/>
+          </p:nvPr>
+        </p:nvSpPr>
+        <p:spPr/>
+        <p:txBody>
+          <a:bodyPr/>
+          <a:lstStyle/>
+          <a:p>
+            <a:pPr algn="ctr"/>
+            <a:r>
+              <a:rPr lang="de-AT" u="sng" dirty="0"/>
+              <a:t>Literatur Analyse</a:t>
+            </a:r>
+          </a:p>
+        </p:txBody>
+      </p:sp>
+      <p:sp>
+        <p:nvSpPr>
+          <p:cNvPr id="3" name="Inhaltsplatzhalter 2"/>
+          <p:cNvSpPr>
+            <a:spLocks noGrp="1"/>
+          </p:cNvSpPr>
+          <p:nvPr>
+            <p:ph sz="quarter" idx="4"/>
+          </p:nvPr>
+        </p:nvSpPr>
+        <p:spPr>
+          <a:xfrm>
+            <a:off x="1773932" y="1628800"/>
+            <a:ext cx="8892481" cy="4391000"/>
+          </a:xfrm>
+        </p:spPr>
+        <p:txBody>
+          <a:bodyPr>
+            <a:normAutofit/>
+          </a:bodyPr>
+          <a:lstStyle/>
+          <a:p>
+            <a:pPr marL="0" indent="0" algn="ctr">
+              <a:buNone/>
+            </a:pPr>
+            <a:r>
+              <a:rPr lang="en-US" sz="2400" dirty="0">
+                <a:latin typeface="Times New Roman" panose="02020603050405020304" pitchFamily="18" charset="0"/>
+                <a:cs typeface="Times New Roman" panose="02020603050405020304" pitchFamily="18" charset="0"/>
+              </a:rPr>
+              <a:t>How to Choose and Use Financial Software</a:t>
+            </a:r>
+            <a:r>
+              <a:rPr lang="tr-TR" sz="2400" dirty="0">
+                <a:latin typeface="Times New Roman" panose="02020603050405020304" pitchFamily="18" charset="0"/>
+                <a:cs typeface="Times New Roman" panose="02020603050405020304" pitchFamily="18" charset="0"/>
+              </a:rPr>
+              <a:t> </a:t>
+            </a:r>
+            <a:endParaRPr lang="de-AT" sz="2400" dirty="0" smtClean="0">
+              <a:latin typeface="Times New Roman" panose="02020603050405020304" pitchFamily="18" charset="0"/>
+              <a:cs typeface="Times New Roman" panose="02020603050405020304" pitchFamily="18" charset="0"/>
+            </a:endParaRPr>
+          </a:p>
+          <a:p>
+            <a:pPr marL="0" indent="0" algn="ctr">
+              <a:buNone/>
+            </a:pPr>
+            <a:endParaRPr lang="en-US" dirty="0" smtClean="0"/>
+          </a:p>
+          <a:p>
+            <a:r>
+              <a:rPr lang="de-AT" sz="1800" dirty="0" smtClean="0"/>
+              <a:t>Verschlüsselung </a:t>
+            </a:r>
+            <a:r>
+              <a:rPr lang="de-AT" sz="1800" dirty="0"/>
+              <a:t>und Kennwortschutz</a:t>
+            </a:r>
+          </a:p>
+          <a:p>
+            <a:r>
+              <a:rPr lang="de-AT" sz="1800" dirty="0" smtClean="0"/>
+              <a:t>Usability</a:t>
+            </a:r>
+            <a:endParaRPr lang="de-AT" sz="1800" dirty="0"/>
+          </a:p>
+          <a:p>
+            <a:pPr marL="0" indent="0">
+              <a:buNone/>
+            </a:pPr>
+            <a:endParaRPr lang="de-AT" dirty="0"/>
+          </a:p>
+          <a:p>
+            <a:pPr marL="0" indent="0">
+              <a:buNone/>
+            </a:pPr>
+            <a:r>
+              <a:rPr lang="de-AT" sz="2000" b="1" u="sng" dirty="0" smtClean="0">
+                <a:effectLst/>
+              </a:rPr>
+              <a:t>Implikationen zum Projekt</a:t>
+            </a:r>
+          </a:p>
+          <a:p>
+            <a:pPr>
+              <a:buFont typeface="Wingdings" panose="05000000000000000000" pitchFamily="2" charset="2"/>
+              <a:buChar char="ü"/>
+            </a:pPr>
+            <a:r>
+              <a:rPr lang="de-AT" sz="1800" i="1" dirty="0" smtClean="0"/>
+              <a:t>Sicherheit geht vor</a:t>
+            </a:r>
+          </a:p>
+          <a:p>
+            <a:pPr>
+              <a:buFont typeface="Wingdings" panose="05000000000000000000" pitchFamily="2" charset="2"/>
+              <a:buChar char="ü"/>
+            </a:pPr>
+            <a:r>
+              <a:rPr lang="de-AT" sz="1800" i="1" dirty="0" smtClean="0"/>
+              <a:t>Intuitives Design</a:t>
+            </a:r>
+            <a:endParaRPr lang="de-AT" dirty="0"/>
+          </a:p>
+          <a:p>
+            <a:endParaRPr lang="de-AT" dirty="0"/>
+          </a:p>
+        </p:txBody>
+      </p:sp>
+    </p:spTree>
+    <p:extLst>
+      <p:ext uri="{BB962C8B-B14F-4D97-AF65-F5344CB8AC3E}">
+        <p14:creationId xmlns:p14="http://schemas.microsoft.com/office/powerpoint/2010/main" val="381959806"/>
+      </p:ext>
+    </p:extLst>
+  </p:cSld>
+  <p:clrMapOvr>
+    <a:masterClrMapping/>
+  </p:clrMapOvr>
+  <mc:AlternateContent xmlns:mc="http://schemas.openxmlformats.org/markup-compatibility/2006" xmlns:p14="http://schemas.microsoft.com/office/powerpoint/2010/main">
+    <mc:Choice Requires="p14">
+      <p:transition spd="med" p14:dur="700">
+        <p:fade/>
+      </p:transition>
+    </mc:Choice>
+    <mc:Fallback xmlns="">
+      <p:transition spd="med">
+        <p:fade/>
+      </p:transition>
+    </mc:Fallback>
+  </mc:AlternateContent>
+  <p:timing>
+    <p:tnLst>
+      <p:par>
+        <p:cTn id="1" dur="indefinite" restart="never" nodeType="tmRoot"/>
+      </p:par>
+    </p:tnLst>
+  </p:timing>
+</p:sld>
+</file>
+
+<file path=ppt/slides/slide17.xml><?xml version="1.0" encoding="utf-8"?>
+<p:sld xmlns:a="http://schemas.openxmlformats.org/drawingml/2006/main" xmlns:r="http://schemas.openxmlformats.org/officeDocument/2006/relationships" xmlns:p="http://schemas.openxmlformats.org/presentationml/2006/main">
+  <p:cSld>
+    <p:spTree>
+      <p:nvGrpSpPr>
+        <p:cNvPr id="1" name=""/>
+        <p:cNvGrpSpPr/>
+        <p:nvPr/>
+      </p:nvGrpSpPr>
+      <p:grpSpPr>
+        <a:xfrm>
+          <a:off x="0" y="0"/>
+          <a:ext cx="0" cy="0"/>
+          <a:chOff x="0" y="0"/>
+          <a:chExt cx="0" cy="0"/>
+        </a:xfrm>
+      </p:grpSpPr>
+      <p:sp>
+        <p:nvSpPr>
+          <p:cNvPr id="6" name="Titel 5"/>
+          <p:cNvSpPr>
+            <a:spLocks noGrp="1"/>
+          </p:cNvSpPr>
+          <p:nvPr>
+            <p:ph type="title"/>
+          </p:nvPr>
+        </p:nvSpPr>
+        <p:spPr/>
+        <p:txBody>
+          <a:bodyPr/>
+          <a:lstStyle/>
+          <a:p>
+            <a:pPr algn="ctr"/>
+            <a:r>
+              <a:rPr lang="de-AT" u="sng" dirty="0" smtClean="0"/>
+              <a:t>Quellen</a:t>
+            </a:r>
+            <a:endParaRPr lang="de-AT" u="sng" dirty="0"/>
+          </a:p>
+        </p:txBody>
+      </p:sp>
+      <p:sp>
+        <p:nvSpPr>
+          <p:cNvPr id="3" name="Inhaltsplatzhalter 2"/>
+          <p:cNvSpPr>
+            <a:spLocks noGrp="1"/>
+          </p:cNvSpPr>
+          <p:nvPr>
+            <p:ph sz="quarter" idx="4"/>
+          </p:nvPr>
+        </p:nvSpPr>
+        <p:spPr>
+          <a:xfrm>
+            <a:off x="1773932" y="1628800"/>
+            <a:ext cx="8892481" cy="4391000"/>
+          </a:xfrm>
+        </p:spPr>
+        <p:txBody>
+          <a:bodyPr>
+            <a:normAutofit/>
+          </a:bodyPr>
+          <a:lstStyle/>
+          <a:p>
+            <a:pPr>
+              <a:buFont typeface="+mj-lt"/>
+              <a:buAutoNum type="arabicPeriod"/>
+            </a:pPr>
+            <a:r>
+              <a:rPr lang="de-AT" sz="1200" dirty="0" smtClean="0"/>
+              <a:t>Design </a:t>
+            </a:r>
+            <a:r>
+              <a:rPr lang="de-AT" sz="1200" dirty="0" err="1"/>
+              <a:t>and</a:t>
+            </a:r>
+            <a:r>
+              <a:rPr lang="de-AT" sz="1200" dirty="0"/>
+              <a:t> Implementation Money Management Web </a:t>
+            </a:r>
+            <a:r>
+              <a:rPr lang="de-AT" sz="1200" dirty="0" err="1"/>
+              <a:t>Based</a:t>
+            </a:r>
+            <a:r>
+              <a:rPr lang="de-AT" sz="1200" dirty="0"/>
+              <a:t> </a:t>
+            </a:r>
+            <a:r>
+              <a:rPr lang="de-AT" sz="1200" dirty="0" err="1"/>
+              <a:t>Application</a:t>
+            </a:r>
+            <a:r>
+              <a:rPr lang="de-AT" sz="1200" dirty="0"/>
+              <a:t> </a:t>
+            </a:r>
+            <a:r>
+              <a:rPr lang="de-AT" sz="1200" dirty="0" err="1"/>
+              <a:t>for</a:t>
+            </a:r>
+            <a:r>
+              <a:rPr lang="de-AT" sz="1200" dirty="0"/>
+              <a:t> Personal </a:t>
+            </a:r>
+            <a:r>
+              <a:rPr lang="de-AT" sz="1200" dirty="0" err="1"/>
+              <a:t>and</a:t>
+            </a:r>
+            <a:r>
+              <a:rPr lang="de-AT" sz="1200" dirty="0"/>
+              <a:t> Family </a:t>
+            </a:r>
+            <a:r>
+              <a:rPr lang="de-AT" sz="1200" dirty="0" err="1"/>
+              <a:t>Proposed</a:t>
+            </a:r>
+            <a:r>
+              <a:rPr lang="de-AT" sz="1200" dirty="0"/>
+              <a:t> </a:t>
+            </a:r>
+            <a:r>
+              <a:rPr lang="de-AT" sz="1200" dirty="0" err="1"/>
+              <a:t>for</a:t>
+            </a:r>
+            <a:r>
+              <a:rPr lang="de-AT" sz="1200" dirty="0"/>
+              <a:t> CV. X </a:t>
+            </a:r>
+            <a:r>
+              <a:rPr lang="de-AT" sz="1200" dirty="0" err="1"/>
+              <a:t>Mumpuni</a:t>
+            </a:r>
+            <a:r>
+              <a:rPr lang="de-AT" sz="1200" dirty="0"/>
+              <a:t>, Melvin ; Sukarno, </a:t>
+            </a:r>
+            <a:r>
+              <a:rPr lang="de-AT" sz="1200" dirty="0" err="1"/>
+              <a:t>Subiakto</a:t>
+            </a:r>
+            <a:r>
+              <a:rPr lang="de-AT" sz="1200" dirty="0"/>
+              <a:t> </a:t>
+            </a:r>
+            <a:r>
+              <a:rPr lang="de-AT" sz="1200" dirty="0" err="1"/>
+              <a:t>Procedia</a:t>
+            </a:r>
+            <a:r>
+              <a:rPr lang="de-AT" sz="1200" dirty="0"/>
+              <a:t> - </a:t>
+            </a:r>
+            <a:r>
+              <a:rPr lang="de-AT" sz="1200" dirty="0" err="1"/>
+              <a:t>Social</a:t>
+            </a:r>
+            <a:r>
+              <a:rPr lang="de-AT" sz="1200" dirty="0"/>
+              <a:t> </a:t>
+            </a:r>
+            <a:r>
+              <a:rPr lang="de-AT" sz="1200" dirty="0" err="1"/>
+              <a:t>and</a:t>
+            </a:r>
+            <a:r>
+              <a:rPr lang="de-AT" sz="1200" dirty="0"/>
+              <a:t> </a:t>
+            </a:r>
+            <a:r>
+              <a:rPr lang="de-AT" sz="1200" dirty="0" err="1"/>
+              <a:t>Behavioral</a:t>
+            </a:r>
+            <a:r>
+              <a:rPr lang="de-AT" sz="1200" dirty="0"/>
+              <a:t> </a:t>
+            </a:r>
+            <a:r>
+              <a:rPr lang="de-AT" sz="1200" dirty="0" err="1"/>
+              <a:t>Sciences</a:t>
+            </a:r>
+            <a:r>
+              <a:rPr lang="de-AT" sz="1200" dirty="0"/>
+              <a:t>, 2014, Vol.115, pp.444-459 [Peer </a:t>
+            </a:r>
+            <a:r>
+              <a:rPr lang="de-AT" sz="1200" dirty="0" err="1"/>
+              <a:t>Reviewed</a:t>
+            </a:r>
+            <a:r>
+              <a:rPr lang="de-AT" sz="1200" dirty="0"/>
+              <a:t> Journal] </a:t>
+            </a:r>
+            <a:endParaRPr lang="de-AT" sz="1200" dirty="0" smtClean="0"/>
+          </a:p>
+          <a:p>
+            <a:pPr>
+              <a:buFont typeface="+mj-lt"/>
+              <a:buAutoNum type="arabicPeriod"/>
+            </a:pPr>
+            <a:r>
+              <a:rPr lang="de-AT" sz="1200" dirty="0" smtClean="0"/>
+              <a:t>The Wall Street Journal guides.wsj.com </a:t>
+            </a:r>
+          </a:p>
+          <a:p>
+            <a:pPr>
+              <a:buFont typeface="+mj-lt"/>
+              <a:buAutoNum type="arabicPeriod"/>
+            </a:pPr>
+            <a:r>
+              <a:rPr lang="de-AT" sz="1200" dirty="0" smtClean="0"/>
+              <a:t>https</a:t>
+            </a:r>
+            <a:r>
+              <a:rPr lang="de-AT" sz="1200" dirty="0"/>
+              <a:t>://itunes.apple.com/at/app/meine-ﬁnanzen-personliche/id797005152?mt=8 </a:t>
+            </a:r>
+            <a:endParaRPr lang="de-AT" sz="1200" dirty="0" smtClean="0"/>
+          </a:p>
+          <a:p>
+            <a:pPr>
+              <a:buFont typeface="+mj-lt"/>
+              <a:buAutoNum type="arabicPeriod"/>
+            </a:pPr>
+            <a:r>
+              <a:rPr lang="de-AT" sz="1200" dirty="0" smtClean="0"/>
+              <a:t>https</a:t>
+            </a:r>
+            <a:r>
+              <a:rPr lang="de-AT" sz="1200" dirty="0"/>
+              <a:t>://itunes.apple.com/us/app/moneyboard-personalﬁnance/id625887028?mt=8 </a:t>
+            </a:r>
+            <a:endParaRPr lang="de-AT" sz="1200" dirty="0" smtClean="0"/>
+          </a:p>
+          <a:p>
+            <a:pPr>
+              <a:buFont typeface="+mj-lt"/>
+              <a:buAutoNum type="arabicPeriod"/>
+            </a:pPr>
+            <a:r>
+              <a:rPr lang="de-AT" sz="1200" dirty="0" smtClean="0"/>
+              <a:t>https</a:t>
+            </a:r>
+            <a:r>
+              <a:rPr lang="de-AT" sz="1200" dirty="0"/>
+              <a:t>://itunes.apple.com/at/app/haushaltsbuch-pro/id879507285?mt=8 </a:t>
+            </a:r>
+            <a:endParaRPr lang="de-AT" sz="1200" dirty="0" smtClean="0"/>
+          </a:p>
+          <a:p>
+            <a:pPr>
+              <a:buFont typeface="+mj-lt"/>
+              <a:buAutoNum type="arabicPeriod"/>
+            </a:pPr>
+            <a:r>
+              <a:rPr lang="de-AT" sz="1200" dirty="0" smtClean="0"/>
+              <a:t>http</a:t>
+            </a:r>
+            <a:r>
+              <a:rPr lang="de-AT" sz="1200" dirty="0"/>
+              <a:t>://www.dpsg-oesede.de/img/moritz.jpg </a:t>
+            </a:r>
+            <a:endParaRPr lang="de-AT" sz="1200" dirty="0" smtClean="0"/>
+          </a:p>
+          <a:p>
+            <a:pPr>
+              <a:buFont typeface="+mj-lt"/>
+              <a:buAutoNum type="arabicPeriod"/>
+            </a:pPr>
+            <a:r>
+              <a:rPr lang="de-AT" sz="1200" dirty="0" smtClean="0"/>
+              <a:t>http</a:t>
+            </a:r>
+            <a:r>
+              <a:rPr lang="de-AT" sz="1200" dirty="0"/>
+              <a:t>://www.haaretz.com/polopolyfs/1.664893.1436288976!/image/3768882842.jpg </a:t>
+            </a:r>
+            <a:endParaRPr lang="de-AT" sz="1200" dirty="0" smtClean="0"/>
+          </a:p>
+          <a:p>
+            <a:pPr>
+              <a:buFont typeface="+mj-lt"/>
+              <a:buAutoNum type="arabicPeriod"/>
+            </a:pPr>
+            <a:r>
+              <a:rPr lang="de-AT" sz="1200" dirty="0" smtClean="0"/>
+              <a:t>http</a:t>
+            </a:r>
+            <a:r>
+              <a:rPr lang="de-AT" sz="1200" dirty="0"/>
+              <a:t>://www.tcm-gyni.ch/wp-content/uploads/2013/04/schwangerchaftsbeschwerdenlinderun.jpg 11. http://www.nkfu.com/wp-content/uploads/2011/07/yasli-adam.jpg</a:t>
+            </a:r>
+          </a:p>
+        </p:txBody>
+      </p:sp>
+    </p:spTree>
+    <p:extLst>
+      <p:ext uri="{BB962C8B-B14F-4D97-AF65-F5344CB8AC3E}">
+        <p14:creationId xmlns:p14="http://schemas.microsoft.com/office/powerpoint/2010/main" val="3656458842"/>
       </p:ext>
     </p:extLst>
   </p:cSld>

--- a/M1/präsentation/M1GruppeFreitagTeam10Präsentation.pptx
+++ b/M1/präsentation/M1GruppeFreitagTeam10Präsentation.pptx
@@ -29901,7 +29901,11 @@
             </a:pPr>
             <a:r>
               <a:rPr lang="de-AT" sz="1600" dirty="0" smtClean="0"/>
-              <a:t>Durch regelmäßiges Sparen ihre Puzzle Collection erweitern</a:t>
+              <a:t>Sie möchte durch </a:t>
+            </a:r>
+            <a:r>
+              <a:rPr lang="de-AT" sz="1600" dirty="0" smtClean="0"/>
+              <a:t>regelmäßiges Sparen ihre Puzzle Collection erweitern</a:t>
             </a:r>
             <a:endParaRPr lang="de-AT" sz="1600" dirty="0"/>
           </a:p>
@@ -30077,40 +30081,24 @@
               <a:rPr lang="de-AT" sz="1600" dirty="0" smtClean="0"/>
               <a:t>Wilhelm Kastner</a:t>
             </a:r>
-            <a:endParaRPr lang="de-AT" sz="1600" dirty="0" smtClean="0"/>
           </a:p>
           <a:p>
             <a:r>
               <a:rPr lang="de-AT" sz="1600" dirty="0" smtClean="0"/>
-              <a:t>Alter: </a:t>
+              <a:t>Alter: 77</a:t>
             </a:r>
-            <a:r>
-              <a:rPr lang="de-AT" sz="1600" dirty="0" smtClean="0"/>
-              <a:t>77</a:t>
-            </a:r>
-            <a:endParaRPr lang="de-AT" sz="1600" dirty="0" smtClean="0"/>
           </a:p>
           <a:p>
             <a:r>
               <a:rPr lang="de-AT" sz="1600" dirty="0" smtClean="0"/>
-              <a:t>Beruf: </a:t>
+              <a:t>Beruf: Pensionierte Professor</a:t>
             </a:r>
-            <a:r>
-              <a:rPr lang="de-AT" sz="1600" dirty="0" smtClean="0"/>
-              <a:t>Pensionierte Professor</a:t>
-            </a:r>
-            <a:endParaRPr lang="de-AT" sz="1600" dirty="0" smtClean="0"/>
           </a:p>
           <a:p>
             <a:r>
               <a:rPr lang="de-AT" sz="1600" dirty="0" smtClean="0"/>
-              <a:t>Hobbies: </a:t>
+              <a:t>Hobbies: Kreuzworträtsel, Spazieren</a:t>
             </a:r>
-            <a:r>
-              <a:rPr lang="de-AT" sz="1600" dirty="0" smtClean="0"/>
-              <a:t>Kreuzworträtsel, Spazieren</a:t>
-            </a:r>
-            <a:endParaRPr lang="de-AT" sz="1600" dirty="0" smtClean="0"/>
           </a:p>
           <a:p>
             <a:endParaRPr lang="de-AT" sz="1600" dirty="0" smtClean="0"/>
@@ -30132,15 +30120,7 @@
             </a:pPr>
             <a:r>
               <a:rPr lang="de-AT" sz="1600" dirty="0" smtClean="0"/>
-              <a:t>Obwohl </a:t>
-            </a:r>
-            <a:r>
-              <a:rPr lang="de-AT" sz="1600" dirty="0" smtClean="0"/>
-              <a:t>er ein Smartphone hat b</a:t>
-            </a:r>
-            <a:r>
-              <a:rPr lang="de-AT" sz="1600" dirty="0" smtClean="0"/>
-              <a:t>evorzugt er für finanzielle Angelegenheiten weiterhin Stift und Papier</a:t>
+              <a:t>Obwohl er ein Smartphone hat bevorzugt er für finanzielle Angelegenheiten weiterhin Stift und Papier</a:t>
             </a:r>
             <a:endParaRPr lang="de-AT" sz="1600" dirty="0"/>
           </a:p>
@@ -30348,7 +30328,6 @@
               <a:rPr lang="de-AT" sz="2400" dirty="0"/>
               <a:t>Häufigkeit</a:t>
             </a:r>
-            <a:endParaRPr lang="de-AT" sz="2400" dirty="0"/>
           </a:p>
         </p:txBody>
       </p:sp>
